--- a/説明書/HexaPuzzle_アイテムスキル説明書.pptx
+++ b/説明書/HexaPuzzle_アイテムスキル説明書.pptx
@@ -244,7 +244,7 @@
           <a:p>
             <a:fld id="{63A65485-5CF1-4DF2-9186-641212B83BAB}" type="datetimeFigureOut">
               <a:rPr kumimoji="1" lang="ja-JP" altLang="en-US" smtClean="0"/>
-              <a:t>2025/10/5</a:t>
+              <a:t>2025/10/11</a:t>
             </a:fld>
             <a:endParaRPr kumimoji="1" lang="ja-JP" altLang="en-US"/>
           </a:p>
@@ -446,7 +446,7 @@
           <a:p>
             <a:fld id="{63A65485-5CF1-4DF2-9186-641212B83BAB}" type="datetimeFigureOut">
               <a:rPr kumimoji="1" lang="ja-JP" altLang="en-US" smtClean="0"/>
-              <a:t>2025/10/5</a:t>
+              <a:t>2025/10/11</a:t>
             </a:fld>
             <a:endParaRPr kumimoji="1" lang="ja-JP" altLang="en-US"/>
           </a:p>
@@ -658,7 +658,7 @@
           <a:p>
             <a:fld id="{63A65485-5CF1-4DF2-9186-641212B83BAB}" type="datetimeFigureOut">
               <a:rPr kumimoji="1" lang="ja-JP" altLang="en-US" smtClean="0"/>
-              <a:t>2025/10/5</a:t>
+              <a:t>2025/10/11</a:t>
             </a:fld>
             <a:endParaRPr kumimoji="1" lang="ja-JP" altLang="en-US"/>
           </a:p>
@@ -860,7 +860,7 @@
           <a:p>
             <a:fld id="{63A65485-5CF1-4DF2-9186-641212B83BAB}" type="datetimeFigureOut">
               <a:rPr kumimoji="1" lang="ja-JP" altLang="en-US" smtClean="0"/>
-              <a:t>2025/10/5</a:t>
+              <a:t>2025/10/11</a:t>
             </a:fld>
             <a:endParaRPr kumimoji="1" lang="ja-JP" altLang="en-US"/>
           </a:p>
@@ -1106,7 +1106,7 @@
           <a:p>
             <a:fld id="{63A65485-5CF1-4DF2-9186-641212B83BAB}" type="datetimeFigureOut">
               <a:rPr kumimoji="1" lang="ja-JP" altLang="en-US" smtClean="0"/>
-              <a:t>2025/10/5</a:t>
+              <a:t>2025/10/11</a:t>
             </a:fld>
             <a:endParaRPr kumimoji="1" lang="ja-JP" altLang="en-US"/>
           </a:p>
@@ -1402,7 +1402,7 @@
           <a:p>
             <a:fld id="{63A65485-5CF1-4DF2-9186-641212B83BAB}" type="datetimeFigureOut">
               <a:rPr kumimoji="1" lang="ja-JP" altLang="en-US" smtClean="0"/>
-              <a:t>2025/10/5</a:t>
+              <a:t>2025/10/11</a:t>
             </a:fld>
             <a:endParaRPr kumimoji="1" lang="ja-JP" altLang="en-US"/>
           </a:p>
@@ -1833,7 +1833,7 @@
           <a:p>
             <a:fld id="{63A65485-5CF1-4DF2-9186-641212B83BAB}" type="datetimeFigureOut">
               <a:rPr kumimoji="1" lang="ja-JP" altLang="en-US" smtClean="0"/>
-              <a:t>2025/10/5</a:t>
+              <a:t>2025/10/11</a:t>
             </a:fld>
             <a:endParaRPr kumimoji="1" lang="ja-JP" altLang="en-US"/>
           </a:p>
@@ -1951,7 +1951,7 @@
           <a:p>
             <a:fld id="{63A65485-5CF1-4DF2-9186-641212B83BAB}" type="datetimeFigureOut">
               <a:rPr kumimoji="1" lang="ja-JP" altLang="en-US" smtClean="0"/>
-              <a:t>2025/10/5</a:t>
+              <a:t>2025/10/11</a:t>
             </a:fld>
             <a:endParaRPr kumimoji="1" lang="ja-JP" altLang="en-US"/>
           </a:p>
@@ -2046,7 +2046,7 @@
           <a:p>
             <a:fld id="{63A65485-5CF1-4DF2-9186-641212B83BAB}" type="datetimeFigureOut">
               <a:rPr kumimoji="1" lang="ja-JP" altLang="en-US" smtClean="0"/>
-              <a:t>2025/10/5</a:t>
+              <a:t>2025/10/11</a:t>
             </a:fld>
             <a:endParaRPr kumimoji="1" lang="ja-JP" altLang="en-US"/>
           </a:p>
@@ -2355,7 +2355,7 @@
           <a:p>
             <a:fld id="{63A65485-5CF1-4DF2-9186-641212B83BAB}" type="datetimeFigureOut">
               <a:rPr kumimoji="1" lang="ja-JP" altLang="en-US" smtClean="0"/>
-              <a:t>2025/10/5</a:t>
+              <a:t>2025/10/11</a:t>
             </a:fld>
             <a:endParaRPr kumimoji="1" lang="ja-JP" altLang="en-US"/>
           </a:p>
@@ -2612,7 +2612,7 @@
           <a:p>
             <a:fld id="{63A65485-5CF1-4DF2-9186-641212B83BAB}" type="datetimeFigureOut">
               <a:rPr kumimoji="1" lang="ja-JP" altLang="en-US" smtClean="0"/>
-              <a:t>2025/10/5</a:t>
+              <a:t>2025/10/11</a:t>
             </a:fld>
             <a:endParaRPr kumimoji="1" lang="ja-JP" altLang="en-US"/>
           </a:p>
@@ -2857,7 +2857,7 @@
           <a:p>
             <a:fld id="{63A65485-5CF1-4DF2-9186-641212B83BAB}" type="datetimeFigureOut">
               <a:rPr kumimoji="1" lang="ja-JP" altLang="en-US" smtClean="0"/>
-              <a:t>2025/10/5</a:t>
+              <a:t>2025/10/11</a:t>
             </a:fld>
             <a:endParaRPr kumimoji="1" lang="ja-JP" altLang="en-US"/>
           </a:p>
@@ -3391,7 +3391,7 @@
         <p:spPr>
           <a:xfrm>
             <a:off x="0" y="3698887"/>
-            <a:ext cx="6858000" cy="5632311"/>
+            <a:ext cx="6858000" cy="6370975"/>
           </a:xfrm>
           <a:prstGeom prst="rect">
             <a:avLst/>
@@ -3411,6 +3411,17 @@
             <a:endParaRPr kumimoji="1" lang="en-US" altLang="ja-JP" sz="2400" dirty="0"/>
           </a:p>
           <a:p>
+            <a:r>
+              <a:rPr kumimoji="1" lang="en-US" altLang="ja-JP" sz="2400" dirty="0"/>
+              <a:t>※</a:t>
+            </a:r>
+            <a:r>
+              <a:rPr kumimoji="1" lang="ja-JP" altLang="en-US" sz="2400" dirty="0"/>
+              <a:t>ステータス上昇スキルは次回レベルアップ後に適用されます</a:t>
+            </a:r>
+            <a:endParaRPr kumimoji="1" lang="en-US" altLang="ja-JP" sz="2400" dirty="0"/>
+          </a:p>
+          <a:p>
             <a:endParaRPr kumimoji="1" lang="en-US" altLang="ja-JP" sz="2400" dirty="0"/>
           </a:p>
           <a:p>
@@ -3473,7 +3484,15 @@
             </a:r>
             <a:r>
               <a:rPr kumimoji="1" lang="ja-JP" altLang="en-US" sz="2400" dirty="0"/>
-              <a:t>：　　そのマスの攻撃力</a:t>
+              <a:t>：　　追加ダメージ</a:t>
+            </a:r>
+            <a:r>
+              <a:rPr kumimoji="1" lang="en-US" altLang="ja-JP" sz="2400" dirty="0"/>
+              <a:t>(</a:t>
+            </a:r>
+            <a:r>
+              <a:rPr kumimoji="1" lang="ja-JP" altLang="en-US" sz="2400" dirty="0"/>
+              <a:t>通常攻撃の</a:t>
             </a:r>
             <a:r>
               <a:rPr kumimoji="1" lang="en-US" altLang="ja-JP" sz="2400" dirty="0"/>
@@ -3481,9 +3500,12 @@
             </a:r>
             <a:r>
               <a:rPr kumimoji="1" lang="ja-JP" altLang="en-US" sz="2400" dirty="0"/>
-              <a:t>倍</a:t>
-            </a:r>
-            <a:endParaRPr kumimoji="1" lang="en-US" altLang="ja-JP" sz="2400" dirty="0"/>
+              <a:t>倍ダメージ</a:t>
+            </a:r>
+            <a:r>
+              <a:rPr kumimoji="1" lang="en-US" altLang="ja-JP" sz="2400" dirty="0"/>
+              <a:t>)</a:t>
+            </a:r>
           </a:p>
           <a:p>
             <a:endParaRPr kumimoji="1" lang="en-US" altLang="ja-JP" sz="2400" dirty="0"/>
@@ -3559,7 +3581,7 @@
         </p:blipFill>
         <p:spPr>
           <a:xfrm>
-            <a:off x="851063" y="5342822"/>
+            <a:off x="788043" y="6096000"/>
             <a:ext cx="505297" cy="753178"/>
           </a:xfrm>
           <a:prstGeom prst="rect">
@@ -3595,7 +3617,7 @@
         </p:blipFill>
         <p:spPr>
           <a:xfrm>
-            <a:off x="729475" y="6128599"/>
+            <a:off x="666457" y="6825162"/>
             <a:ext cx="748471" cy="753178"/>
           </a:xfrm>
           <a:prstGeom prst="rect">
@@ -3631,7 +3653,7 @@
         </p:blipFill>
         <p:spPr>
           <a:xfrm>
-            <a:off x="685127" y="6857535"/>
+            <a:off x="666457" y="7578340"/>
             <a:ext cx="792819" cy="753178"/>
           </a:xfrm>
           <a:prstGeom prst="rect">
@@ -3667,7 +3689,7 @@
         </p:blipFill>
         <p:spPr>
           <a:xfrm>
-            <a:off x="729475" y="7610713"/>
+            <a:off x="685127" y="8339649"/>
             <a:ext cx="755481" cy="753178"/>
           </a:xfrm>
           <a:prstGeom prst="rect">
@@ -3720,7 +3742,7 @@
         <p:spPr>
           <a:xfrm>
             <a:off x="0" y="0"/>
-            <a:ext cx="6363269" cy="8956298"/>
+            <a:ext cx="6363269" cy="10064294"/>
           </a:xfrm>
           <a:prstGeom prst="rect">
             <a:avLst/>
@@ -3733,6 +3755,9 @@
           </a:bodyPr>
           <a:lstStyle/>
           <a:p>
+            <a:endParaRPr kumimoji="1" lang="en-US" altLang="ja-JP" sz="2400" dirty="0"/>
+          </a:p>
+          <a:p>
             <a:r>
               <a:rPr kumimoji="1" lang="en-US" altLang="ja-JP" sz="2400" dirty="0"/>
               <a:t>2-1</a:t>
@@ -3855,6 +3880,16 @@
           </a:p>
           <a:p>
             <a:r>
+              <a:rPr kumimoji="1" lang="ja-JP" altLang="en-US" sz="2400" dirty="0"/>
+              <a:t>　　　ーーーここまで実装済みーーー</a:t>
+            </a:r>
+            <a:endParaRPr kumimoji="1" lang="en-US" altLang="ja-JP" sz="2400" dirty="0"/>
+          </a:p>
+          <a:p>
+            <a:endParaRPr kumimoji="1" lang="en-US" altLang="ja-JP" sz="2400" dirty="0"/>
+          </a:p>
+          <a:p>
+            <a:r>
               <a:rPr kumimoji="1" lang="en-US" altLang="ja-JP" sz="2400" dirty="0"/>
               <a:t>2-5</a:t>
             </a:r>
@@ -4030,6 +4065,42 @@
           </a:p>
         </p:txBody>
       </p:sp>
+      <p:pic>
+        <p:nvPicPr>
+          <p:cNvPr id="3" name="図 2" descr="アイコン&#10;&#10;AI 生成コンテンツは誤りを含む可能性があります。">
+            <a:extLst>
+              <a:ext uri="{FF2B5EF4-FFF2-40B4-BE49-F238E27FC236}">
+                <a16:creationId xmlns:a16="http://schemas.microsoft.com/office/drawing/2014/main" id="{937BADE4-01DC-D443-1EC5-962930A38E12}"/>
+              </a:ext>
+            </a:extLst>
+          </p:cNvPr>
+          <p:cNvPicPr>
+            <a:picLocks noChangeAspect="1"/>
+          </p:cNvPicPr>
+          <p:nvPr/>
+        </p:nvPicPr>
+        <p:blipFill>
+          <a:blip r:embed="rId2">
+            <a:extLst>
+              <a:ext uri="{28A0092B-C50C-407E-A947-70E740481C1C}">
+                <a14:useLocalDpi xmlns:a14="http://schemas.microsoft.com/office/drawing/2010/main" val="0"/>
+              </a:ext>
+            </a:extLst>
+          </a:blip>
+          <a:stretch>
+            <a:fillRect/>
+          </a:stretch>
+        </p:blipFill>
+        <p:spPr>
+          <a:xfrm>
+            <a:off x="806683" y="125506"/>
+            <a:ext cx="681459" cy="688995"/>
+          </a:xfrm>
+          <a:prstGeom prst="rect">
+            <a:avLst/>
+          </a:prstGeom>
+        </p:spPr>
+      </p:pic>
     </p:spTree>
     <p:extLst>
       <p:ext uri="{BB962C8B-B14F-4D97-AF65-F5344CB8AC3E}">
